--- a/data/중간발표_20134829_천용진.pptx
+++ b/data/중간발표_20134829_천용진.pptx
@@ -276,7 +276,7 @@
           <a:p>
             <a:fld id="{EFAAC83B-9CD6-4151-93D2-8CB83C77A27A}" type="datetimeFigureOut">
               <a:rPr lang="ko-KR" altLang="en-US" smtClean="0"/>
-              <a:t>2018-11-27</a:t>
+              <a:t>2018-12-03</a:t>
             </a:fld>
             <a:endParaRPr lang="ko-KR" altLang="en-US"/>
           </a:p>
@@ -696,7 +696,7 @@
           <a:p>
             <a:fld id="{AADAF2E7-3E8B-45F0-AADD-AC87641FCDCC}" type="datetimeFigureOut">
               <a:rPr lang="ko-KR" altLang="en-US" smtClean="0"/>
-              <a:t>2018-11-27</a:t>
+              <a:t>2018-12-03</a:t>
             </a:fld>
             <a:endParaRPr lang="ko-KR" altLang="en-US"/>
           </a:p>
@@ -894,7 +894,7 @@
           <a:p>
             <a:fld id="{AADAF2E7-3E8B-45F0-AADD-AC87641FCDCC}" type="datetimeFigureOut">
               <a:rPr lang="ko-KR" altLang="en-US" smtClean="0"/>
-              <a:t>2018-11-27</a:t>
+              <a:t>2018-12-03</a:t>
             </a:fld>
             <a:endParaRPr lang="ko-KR" altLang="en-US"/>
           </a:p>
@@ -1102,7 +1102,7 @@
           <a:p>
             <a:fld id="{AADAF2E7-3E8B-45F0-AADD-AC87641FCDCC}" type="datetimeFigureOut">
               <a:rPr lang="ko-KR" altLang="en-US" smtClean="0"/>
-              <a:t>2018-11-27</a:t>
+              <a:t>2018-12-03</a:t>
             </a:fld>
             <a:endParaRPr lang="ko-KR" altLang="en-US"/>
           </a:p>
@@ -1300,7 +1300,7 @@
           <a:p>
             <a:fld id="{AADAF2E7-3E8B-45F0-AADD-AC87641FCDCC}" type="datetimeFigureOut">
               <a:rPr lang="ko-KR" altLang="en-US" smtClean="0"/>
-              <a:t>2018-11-27</a:t>
+              <a:t>2018-12-03</a:t>
             </a:fld>
             <a:endParaRPr lang="ko-KR" altLang="en-US"/>
           </a:p>
@@ -1575,7 +1575,7 @@
           <a:p>
             <a:fld id="{AADAF2E7-3E8B-45F0-AADD-AC87641FCDCC}" type="datetimeFigureOut">
               <a:rPr lang="ko-KR" altLang="en-US" smtClean="0"/>
-              <a:t>2018-11-27</a:t>
+              <a:t>2018-12-03</a:t>
             </a:fld>
             <a:endParaRPr lang="ko-KR" altLang="en-US"/>
           </a:p>
@@ -1840,7 +1840,7 @@
           <a:p>
             <a:fld id="{AADAF2E7-3E8B-45F0-AADD-AC87641FCDCC}" type="datetimeFigureOut">
               <a:rPr lang="ko-KR" altLang="en-US" smtClean="0"/>
-              <a:t>2018-11-27</a:t>
+              <a:t>2018-12-03</a:t>
             </a:fld>
             <a:endParaRPr lang="ko-KR" altLang="en-US"/>
           </a:p>
@@ -2252,7 +2252,7 @@
           <a:p>
             <a:fld id="{AADAF2E7-3E8B-45F0-AADD-AC87641FCDCC}" type="datetimeFigureOut">
               <a:rPr lang="ko-KR" altLang="en-US" smtClean="0"/>
-              <a:t>2018-11-27</a:t>
+              <a:t>2018-12-03</a:t>
             </a:fld>
             <a:endParaRPr lang="ko-KR" altLang="en-US"/>
           </a:p>
@@ -2393,7 +2393,7 @@
           <a:p>
             <a:fld id="{AADAF2E7-3E8B-45F0-AADD-AC87641FCDCC}" type="datetimeFigureOut">
               <a:rPr lang="ko-KR" altLang="en-US" smtClean="0"/>
-              <a:t>2018-11-27</a:t>
+              <a:t>2018-12-03</a:t>
             </a:fld>
             <a:endParaRPr lang="ko-KR" altLang="en-US"/>
           </a:p>
@@ -2506,7 +2506,7 @@
           <a:p>
             <a:fld id="{AADAF2E7-3E8B-45F0-AADD-AC87641FCDCC}" type="datetimeFigureOut">
               <a:rPr lang="ko-KR" altLang="en-US" smtClean="0"/>
-              <a:t>2018-11-27</a:t>
+              <a:t>2018-12-03</a:t>
             </a:fld>
             <a:endParaRPr lang="ko-KR" altLang="en-US"/>
           </a:p>
@@ -2817,7 +2817,7 @@
           <a:p>
             <a:fld id="{AADAF2E7-3E8B-45F0-AADD-AC87641FCDCC}" type="datetimeFigureOut">
               <a:rPr lang="ko-KR" altLang="en-US" smtClean="0"/>
-              <a:t>2018-11-27</a:t>
+              <a:t>2018-12-03</a:t>
             </a:fld>
             <a:endParaRPr lang="ko-KR" altLang="en-US"/>
           </a:p>
@@ -3105,7 +3105,7 @@
           <a:p>
             <a:fld id="{AADAF2E7-3E8B-45F0-AADD-AC87641FCDCC}" type="datetimeFigureOut">
               <a:rPr lang="ko-KR" altLang="en-US" smtClean="0"/>
-              <a:t>2018-11-27</a:t>
+              <a:t>2018-12-03</a:t>
             </a:fld>
             <a:endParaRPr lang="ko-KR" altLang="en-US"/>
           </a:p>
@@ -3346,7 +3346,7 @@
           <a:p>
             <a:fld id="{AADAF2E7-3E8B-45F0-AADD-AC87641FCDCC}" type="datetimeFigureOut">
               <a:rPr lang="ko-KR" altLang="en-US" smtClean="0"/>
-              <a:t>2018-11-27</a:t>
+              <a:t>2018-12-03</a:t>
             </a:fld>
             <a:endParaRPr lang="ko-KR" altLang="en-US"/>
           </a:p>
@@ -4746,7 +4746,7 @@
                 </a:solidFill>
                 <a:ea typeface="KoPub돋움체 Light" panose="00000300000000000000" pitchFamily="2" charset="-127"/>
               </a:rPr>
-              <a:t>월 데이터의 빠른 정제 필요</a:t>
+              <a:t>월 데이터의 수집 필요</a:t>
             </a:r>
             <a:endParaRPr lang="en-US" altLang="ko-KR" sz="1400" b="1" spc="-150" dirty="0">
               <a:ln>
@@ -7747,7 +7747,7 @@
                 </a:solidFill>
                 <a:ea typeface="KoPub돋움체 Light" panose="00000300000000000000" pitchFamily="2" charset="-127"/>
               </a:rPr>
-              <a:t>경각심을 심어 줄 만한 강력한 시각화가 필요</a:t>
+              <a:t>경각심을 심어 줄 만한 시각화 필요</a:t>
             </a:r>
             <a:endParaRPr lang="en-US" altLang="ko-KR" sz="1400" b="1" spc="-150" dirty="0">
               <a:ln>
@@ -10163,7 +10163,7 @@
         <p:spPr>
           <a:xfrm>
             <a:off x="7464285" y="3283375"/>
-            <a:ext cx="3668410" cy="738664"/>
+            <a:ext cx="3668410" cy="307777"/>
           </a:xfrm>
           <a:prstGeom prst="rect">
             <a:avLst/>
@@ -10193,7 +10193,7 @@
                 </a:solidFill>
                 <a:ea typeface="KoPub돋움체 Light" panose="00000300000000000000" pitchFamily="2" charset="-127"/>
               </a:rPr>
-              <a:t>가격을 이용해 </a:t>
+              <a:t>가격 </a:t>
             </a:r>
             <a:r>
               <a:rPr lang="en-US" altLang="ko-KR" sz="1400" b="1" spc="-150" dirty="0">
@@ -10212,7 +10212,7 @@
                 </a:solidFill>
                 <a:ea typeface="KoPub돋움체 Light" panose="00000300000000000000" pitchFamily="2" charset="-127"/>
               </a:rPr>
-              <a:t>object</a:t>
+              <a:t>data</a:t>
             </a:r>
             <a:r>
               <a:rPr lang="ko-KR" altLang="en-US" sz="1400" b="1" spc="-150" dirty="0">
@@ -10231,7 +10231,7 @@
                 </a:solidFill>
                 <a:ea typeface="KoPub돋움체 Light" panose="00000300000000000000" pitchFamily="2" charset="-127"/>
               </a:rPr>
-              <a:t>의 크기를 조정</a:t>
+              <a:t>를 이용해 시각화</a:t>
             </a:r>
             <a:endParaRPr lang="en-US" altLang="ko-KR" sz="1400" b="1" spc="-150" dirty="0">
               <a:ln>
@@ -10250,147 +10250,14 @@
               <a:ea typeface="KoPub돋움체 Light" panose="00000300000000000000" pitchFamily="2" charset="-127"/>
             </a:endParaRPr>
           </a:p>
-          <a:p>
-            <a:pPr algn="ctr"/>
-            <a:r>
-              <a:rPr lang="en-US" altLang="ko-KR" sz="1400" b="1" spc="-150" dirty="0">
-                <a:ln>
-                  <a:solidFill>
-                    <a:schemeClr val="bg1">
-                      <a:alpha val="30000"/>
-                    </a:schemeClr>
-                  </a:solidFill>
-                </a:ln>
-                <a:solidFill>
-                  <a:schemeClr val="tx1">
-                    <a:lumMod val="95000"/>
-                    <a:lumOff val="5000"/>
-                  </a:schemeClr>
-                </a:solidFill>
-                <a:ea typeface="KoPub돋움체 Light" panose="00000300000000000000" pitchFamily="2" charset="-127"/>
-              </a:rPr>
-              <a:t>object</a:t>
-            </a:r>
-            <a:r>
-              <a:rPr lang="ko-KR" altLang="en-US" sz="1400" b="1" spc="-150" dirty="0">
-                <a:ln>
-                  <a:solidFill>
-                    <a:schemeClr val="bg1">
-                      <a:alpha val="30000"/>
-                    </a:schemeClr>
-                  </a:solidFill>
-                </a:ln>
-                <a:solidFill>
-                  <a:schemeClr val="tx1">
-                    <a:lumMod val="95000"/>
-                    <a:lumOff val="5000"/>
-                  </a:schemeClr>
-                </a:solidFill>
-                <a:ea typeface="KoPub돋움체 Light" panose="00000300000000000000" pitchFamily="2" charset="-127"/>
-              </a:rPr>
-              <a:t>상단에 카테고리와 가격 표시</a:t>
-            </a:r>
-            <a:endParaRPr lang="en-US" altLang="ko-KR" sz="1400" b="1" spc="-150" dirty="0">
-              <a:ln>
-                <a:solidFill>
-                  <a:schemeClr val="bg1">
-                    <a:alpha val="30000"/>
-                  </a:schemeClr>
-                </a:solidFill>
-              </a:ln>
-              <a:solidFill>
-                <a:schemeClr val="tx1">
-                  <a:lumMod val="95000"/>
-                  <a:lumOff val="5000"/>
-                </a:schemeClr>
-              </a:solidFill>
-              <a:ea typeface="KoPub돋움체 Light" panose="00000300000000000000" pitchFamily="2" charset="-127"/>
-            </a:endParaRPr>
-          </a:p>
-          <a:p>
-            <a:pPr algn="ctr"/>
-            <a:r>
-              <a:rPr lang="ko-KR" altLang="en-US" sz="1400" b="1" spc="-150" dirty="0">
-                <a:ln>
-                  <a:solidFill>
-                    <a:schemeClr val="bg1">
-                      <a:alpha val="30000"/>
-                    </a:schemeClr>
-                  </a:solidFill>
-                </a:ln>
-                <a:solidFill>
-                  <a:schemeClr val="tx1">
-                    <a:lumMod val="95000"/>
-                    <a:lumOff val="5000"/>
-                  </a:schemeClr>
-                </a:solidFill>
-                <a:ea typeface="KoPub돋움체 Light" panose="00000300000000000000" pitchFamily="2" charset="-127"/>
-              </a:rPr>
-              <a:t>각 </a:t>
-            </a:r>
-            <a:r>
-              <a:rPr lang="en-US" altLang="ko-KR" sz="1400" b="1" spc="-150" dirty="0">
-                <a:ln>
-                  <a:solidFill>
-                    <a:schemeClr val="bg1">
-                      <a:alpha val="30000"/>
-                    </a:schemeClr>
-                  </a:solidFill>
-                </a:ln>
-                <a:solidFill>
-                  <a:schemeClr val="tx1">
-                    <a:lumMod val="95000"/>
-                    <a:lumOff val="5000"/>
-                  </a:schemeClr>
-                </a:solidFill>
-                <a:ea typeface="KoPub돋움체 Light" panose="00000300000000000000" pitchFamily="2" charset="-127"/>
-              </a:rPr>
-              <a:t>object</a:t>
-            </a:r>
-            <a:r>
-              <a:rPr lang="ko-KR" altLang="en-US" sz="1400" b="1" spc="-150" dirty="0">
-                <a:ln>
-                  <a:solidFill>
-                    <a:schemeClr val="bg1">
-                      <a:alpha val="30000"/>
-                    </a:schemeClr>
-                  </a:solidFill>
-                </a:ln>
-                <a:solidFill>
-                  <a:schemeClr val="tx1">
-                    <a:lumMod val="95000"/>
-                    <a:lumOff val="5000"/>
-                  </a:schemeClr>
-                </a:solidFill>
-                <a:ea typeface="KoPub돋움체 Light" panose="00000300000000000000" pitchFamily="2" charset="-127"/>
-              </a:rPr>
-              <a:t>의 위치는 일단 랜덤</a:t>
-            </a:r>
-            <a:endParaRPr lang="en-US" altLang="ko-KR" sz="1400" b="1" spc="-150" dirty="0">
-              <a:ln>
-                <a:solidFill>
-                  <a:schemeClr val="bg1">
-                    <a:alpha val="30000"/>
-                  </a:schemeClr>
-                </a:solidFill>
-              </a:ln>
-              <a:solidFill>
-                <a:schemeClr val="tx1">
-                  <a:lumMod val="95000"/>
-                  <a:lumOff val="5000"/>
-                </a:schemeClr>
-              </a:solidFill>
-              <a:ea typeface="KoPub돋움체 Light" panose="00000300000000000000" pitchFamily="2" charset="-127"/>
-            </a:endParaRPr>
-          </a:p>
         </p:txBody>
       </p:sp>
       <p:pic>
         <p:nvPicPr>
-          <p:cNvPr id="5" name="그림 4">
-            <a:extLst>
-              <a:ext uri="{FF2B5EF4-FFF2-40B4-BE49-F238E27FC236}">
-                <a16:creationId xmlns:a16="http://schemas.microsoft.com/office/drawing/2014/main" id="{ED628FB4-9980-4539-82B6-19A13A993741}"/>
+          <p:cNvPr id="2" name="그림 1">
+            <a:extLst>
+              <a:ext uri="{FF2B5EF4-FFF2-40B4-BE49-F238E27FC236}">
+                <a16:creationId xmlns:a16="http://schemas.microsoft.com/office/drawing/2014/main" id="{623DF283-2528-486D-9B74-5FBCEF4E44AA}"/>
               </a:ext>
             </a:extLst>
           </p:cNvPr>
@@ -10401,13 +10268,13 @@
         </p:nvPicPr>
         <p:blipFill rotWithShape="1">
           <a:blip r:embed="rId2"/>
-          <a:srcRect l="5879" t="48673" b="21422"/>
+          <a:srcRect t="15415" b="18835"/>
           <a:stretch/>
         </p:blipFill>
         <p:spPr>
           <a:xfrm>
-            <a:off x="388879" y="2627281"/>
-            <a:ext cx="6016101" cy="2050852"/>
+            <a:off x="287868" y="1439305"/>
+            <a:ext cx="6391922" cy="4509169"/>
           </a:xfrm>
           <a:prstGeom prst="rect">
             <a:avLst/>
@@ -10734,10 +10601,10 @@
       </p:sp>
       <p:pic>
         <p:nvPicPr>
-          <p:cNvPr id="2" name="그림 1">
-            <a:extLst>
-              <a:ext uri="{FF2B5EF4-FFF2-40B4-BE49-F238E27FC236}">
-                <a16:creationId xmlns:a16="http://schemas.microsoft.com/office/drawing/2014/main" id="{D827706B-BA84-4F44-9361-413980EB6019}"/>
+          <p:cNvPr id="5" name="그림 4">
+            <a:extLst>
+              <a:ext uri="{FF2B5EF4-FFF2-40B4-BE49-F238E27FC236}">
+                <a16:creationId xmlns:a16="http://schemas.microsoft.com/office/drawing/2014/main" id="{5FE19B74-0EDF-496F-A473-09D615398C6B}"/>
               </a:ext>
             </a:extLst>
           </p:cNvPr>
@@ -10754,8 +10621,38 @@
         </p:blipFill>
         <p:spPr>
           <a:xfrm>
-            <a:off x="2907444" y="1021117"/>
-            <a:ext cx="6377112" cy="5263180"/>
+            <a:off x="0" y="1065770"/>
+            <a:ext cx="6096000" cy="5031172"/>
+          </a:xfrm>
+          <a:prstGeom prst="rect">
+            <a:avLst/>
+          </a:prstGeom>
+        </p:spPr>
+      </p:pic>
+      <p:pic>
+        <p:nvPicPr>
+          <p:cNvPr id="7" name="그림 6">
+            <a:extLst>
+              <a:ext uri="{FF2B5EF4-FFF2-40B4-BE49-F238E27FC236}">
+                <a16:creationId xmlns:a16="http://schemas.microsoft.com/office/drawing/2014/main" id="{DB1F9188-2744-4E33-8831-801417D13F32}"/>
+              </a:ext>
+            </a:extLst>
+          </p:cNvPr>
+          <p:cNvPicPr>
+            <a:picLocks noChangeAspect="1"/>
+          </p:cNvPicPr>
+          <p:nvPr/>
+        </p:nvPicPr>
+        <p:blipFill>
+          <a:blip r:embed="rId3"/>
+          <a:stretch>
+            <a:fillRect/>
+          </a:stretch>
+        </p:blipFill>
+        <p:spPr>
+          <a:xfrm>
+            <a:off x="6096000" y="1057131"/>
+            <a:ext cx="6096000" cy="5031172"/>
           </a:xfrm>
           <a:prstGeom prst="rect">
             <a:avLst/>
